--- a/2_ADF/PPT/2_Activities/2_Data Transformation Activities/1_Data Flow/3_Formatters/3_Stringify/1_Stringify.pptx
+++ b/2_ADF/PPT/2_Activities/2_Data Transformation Activities/1_Data Flow/3_Formatters/3_Stringify/1_Stringify.pptx
@@ -6,6 +6,12 @@
   </p:sldMasterIdLst>
   <p:sldIdLst>
     <p:sldId id="256" r:id="rId2"/>
+    <p:sldId id="257" r:id="rId3"/>
+    <p:sldId id="258" r:id="rId4"/>
+    <p:sldId id="259" r:id="rId5"/>
+    <p:sldId id="260" r:id="rId6"/>
+    <p:sldId id="261" r:id="rId7"/>
+    <p:sldId id="262" r:id="rId8"/>
   </p:sldIdLst>
   <p:sldSz cx="12192000" cy="6858000"/>
   <p:notesSz cx="6858000" cy="9144000"/>
@@ -104,6 +110,11 @@
       </a:defRPr>
     </a:lvl9pPr>
   </p:defaultTextStyle>
+  <p:extLst>
+    <p:ext uri="{EFAFB233-063F-42B5-8137-9DF3F51BA10A}">
+      <p15:sldGuideLst xmlns:p15="http://schemas.microsoft.com/office/powerpoint/2012/main"/>
+    </p:ext>
+  </p:extLst>
 </p:presentation>
 </file>
 
@@ -256,7 +267,7 @@
           <a:p>
             <a:fld id="{032E6CD7-939C-4CC8-86F5-B9EF60BA506E}" type="datetimeFigureOut">
               <a:rPr lang="en-IN" smtClean="0"/>
-              <a:t>19-02-2023</a:t>
+              <a:t>10-03-2023</a:t>
             </a:fld>
             <a:endParaRPr lang="en-IN"/>
           </a:p>
@@ -456,7 +467,7 @@
           <a:p>
             <a:fld id="{032E6CD7-939C-4CC8-86F5-B9EF60BA506E}" type="datetimeFigureOut">
               <a:rPr lang="en-IN" smtClean="0"/>
-              <a:t>19-02-2023</a:t>
+              <a:t>10-03-2023</a:t>
             </a:fld>
             <a:endParaRPr lang="en-IN"/>
           </a:p>
@@ -666,7 +677,7 @@
           <a:p>
             <a:fld id="{032E6CD7-939C-4CC8-86F5-B9EF60BA506E}" type="datetimeFigureOut">
               <a:rPr lang="en-IN" smtClean="0"/>
-              <a:t>19-02-2023</a:t>
+              <a:t>10-03-2023</a:t>
             </a:fld>
             <a:endParaRPr lang="en-IN"/>
           </a:p>
@@ -866,7 +877,7 @@
           <a:p>
             <a:fld id="{032E6CD7-939C-4CC8-86F5-B9EF60BA506E}" type="datetimeFigureOut">
               <a:rPr lang="en-IN" smtClean="0"/>
-              <a:t>19-02-2023</a:t>
+              <a:t>10-03-2023</a:t>
             </a:fld>
             <a:endParaRPr lang="en-IN"/>
           </a:p>
@@ -1142,7 +1153,7 @@
           <a:p>
             <a:fld id="{032E6CD7-939C-4CC8-86F5-B9EF60BA506E}" type="datetimeFigureOut">
               <a:rPr lang="en-IN" smtClean="0"/>
-              <a:t>19-02-2023</a:t>
+              <a:t>10-03-2023</a:t>
             </a:fld>
             <a:endParaRPr lang="en-IN"/>
           </a:p>
@@ -1410,7 +1421,7 @@
           <a:p>
             <a:fld id="{032E6CD7-939C-4CC8-86F5-B9EF60BA506E}" type="datetimeFigureOut">
               <a:rPr lang="en-IN" smtClean="0"/>
-              <a:t>19-02-2023</a:t>
+              <a:t>10-03-2023</a:t>
             </a:fld>
             <a:endParaRPr lang="en-IN"/>
           </a:p>
@@ -1825,7 +1836,7 @@
           <a:p>
             <a:fld id="{032E6CD7-939C-4CC8-86F5-B9EF60BA506E}" type="datetimeFigureOut">
               <a:rPr lang="en-IN" smtClean="0"/>
-              <a:t>19-02-2023</a:t>
+              <a:t>10-03-2023</a:t>
             </a:fld>
             <a:endParaRPr lang="en-IN"/>
           </a:p>
@@ -1967,7 +1978,7 @@
           <a:p>
             <a:fld id="{032E6CD7-939C-4CC8-86F5-B9EF60BA506E}" type="datetimeFigureOut">
               <a:rPr lang="en-IN" smtClean="0"/>
-              <a:t>19-02-2023</a:t>
+              <a:t>10-03-2023</a:t>
             </a:fld>
             <a:endParaRPr lang="en-IN"/>
           </a:p>
@@ -2080,7 +2091,7 @@
           <a:p>
             <a:fld id="{032E6CD7-939C-4CC8-86F5-B9EF60BA506E}" type="datetimeFigureOut">
               <a:rPr lang="en-IN" smtClean="0"/>
-              <a:t>19-02-2023</a:t>
+              <a:t>10-03-2023</a:t>
             </a:fld>
             <a:endParaRPr lang="en-IN"/>
           </a:p>
@@ -2393,7 +2404,7 @@
           <a:p>
             <a:fld id="{032E6CD7-939C-4CC8-86F5-B9EF60BA506E}" type="datetimeFigureOut">
               <a:rPr lang="en-IN" smtClean="0"/>
-              <a:t>19-02-2023</a:t>
+              <a:t>10-03-2023</a:t>
             </a:fld>
             <a:endParaRPr lang="en-IN"/>
           </a:p>
@@ -2682,7 +2693,7 @@
           <a:p>
             <a:fld id="{032E6CD7-939C-4CC8-86F5-B9EF60BA506E}" type="datetimeFigureOut">
               <a:rPr lang="en-IN" smtClean="0"/>
-              <a:t>19-02-2023</a:t>
+              <a:t>10-03-2023</a:t>
             </a:fld>
             <a:endParaRPr lang="en-IN"/>
           </a:p>
@@ -2925,7 +2936,7 @@
           <a:p>
             <a:fld id="{032E6CD7-939C-4CC8-86F5-B9EF60BA506E}" type="datetimeFigureOut">
               <a:rPr lang="en-IN" smtClean="0"/>
-              <a:t>19-02-2023</a:t>
+              <a:t>10-03-2023</a:t>
             </a:fld>
             <a:endParaRPr lang="en-IN"/>
           </a:p>
@@ -3342,10 +3353,432 @@
           <a:chExt cx="0" cy="0"/>
         </a:xfrm>
       </p:grpSpPr>
+      <p:pic>
+        <p:nvPicPr>
+          <p:cNvPr id="7" name="Picture 6">
+            <a:extLst>
+              <a:ext uri="{FF2B5EF4-FFF2-40B4-BE49-F238E27FC236}">
+                <a16:creationId xmlns:a16="http://schemas.microsoft.com/office/drawing/2014/main" id="{166044CF-F94A-495C-7A3C-9924D9176E82}"/>
+              </a:ext>
+            </a:extLst>
+          </p:cNvPr>
+          <p:cNvPicPr>
+            <a:picLocks noChangeAspect="1"/>
+          </p:cNvPicPr>
+          <p:nvPr/>
+        </p:nvPicPr>
+        <p:blipFill rotWithShape="1">
+          <a:blip r:embed="rId2"/>
+          <a:srcRect l="27699" t="26919" r="13575" b="14591"/>
+          <a:stretch/>
+        </p:blipFill>
+        <p:spPr>
+          <a:xfrm>
+            <a:off x="186906" y="163901"/>
+            <a:ext cx="7300822" cy="4544690"/>
+          </a:xfrm>
+          <a:prstGeom prst="rect">
+            <a:avLst/>
+          </a:prstGeom>
+          <a:ln w="15875">
+            <a:solidFill>
+              <a:schemeClr val="tx1"/>
+            </a:solidFill>
+          </a:ln>
+        </p:spPr>
+      </p:pic>
+      <p:sp>
+        <p:nvSpPr>
+          <p:cNvPr id="8" name="Rectangle 7">
+            <a:extLst>
+              <a:ext uri="{FF2B5EF4-FFF2-40B4-BE49-F238E27FC236}">
+                <a16:creationId xmlns:a16="http://schemas.microsoft.com/office/drawing/2014/main" id="{3730B9A0-38BB-8C48-050F-E81E2BCA78C1}"/>
+              </a:ext>
+            </a:extLst>
+          </p:cNvPr>
+          <p:cNvSpPr/>
+          <p:nvPr/>
+        </p:nvSpPr>
+        <p:spPr>
+          <a:xfrm>
+            <a:off x="359923" y="1906622"/>
+            <a:ext cx="1225686" cy="301557"/>
+          </a:xfrm>
+          <a:prstGeom prst="rect">
+            <a:avLst/>
+          </a:prstGeom>
+          <a:noFill/>
+          <a:ln w="25400">
+            <a:solidFill>
+              <a:srgbClr val="FF0000"/>
+            </a:solidFill>
+          </a:ln>
+        </p:spPr>
+        <p:style>
+          <a:lnRef idx="2">
+            <a:schemeClr val="accent1">
+              <a:shade val="50000"/>
+            </a:schemeClr>
+          </a:lnRef>
+          <a:fillRef idx="1">
+            <a:schemeClr val="accent1"/>
+          </a:fillRef>
+          <a:effectRef idx="0">
+            <a:schemeClr val="accent1"/>
+          </a:effectRef>
+          <a:fontRef idx="minor">
+            <a:schemeClr val="lt1"/>
+          </a:fontRef>
+        </p:style>
+        <p:txBody>
+          <a:bodyPr rtlCol="0" anchor="ctr"/>
+          <a:lstStyle/>
+          <a:p>
+            <a:pPr algn="ctr"/>
+            <a:endParaRPr lang="en-IN"/>
+          </a:p>
+        </p:txBody>
+      </p:sp>
+      <p:sp>
+        <p:nvSpPr>
+          <p:cNvPr id="9" name="Rectangle 8">
+            <a:extLst>
+              <a:ext uri="{FF2B5EF4-FFF2-40B4-BE49-F238E27FC236}">
+                <a16:creationId xmlns:a16="http://schemas.microsoft.com/office/drawing/2014/main" id="{78727552-6E5C-E0DB-8886-155357F5872E}"/>
+              </a:ext>
+            </a:extLst>
+          </p:cNvPr>
+          <p:cNvSpPr/>
+          <p:nvPr/>
+        </p:nvSpPr>
+        <p:spPr>
+          <a:xfrm>
+            <a:off x="2049295" y="2681593"/>
+            <a:ext cx="674450" cy="285344"/>
+          </a:xfrm>
+          <a:prstGeom prst="rect">
+            <a:avLst/>
+          </a:prstGeom>
+          <a:noFill/>
+          <a:ln w="25400">
+            <a:solidFill>
+              <a:srgbClr val="FF0000"/>
+            </a:solidFill>
+          </a:ln>
+        </p:spPr>
+        <p:style>
+          <a:lnRef idx="2">
+            <a:schemeClr val="accent1">
+              <a:shade val="50000"/>
+            </a:schemeClr>
+          </a:lnRef>
+          <a:fillRef idx="1">
+            <a:schemeClr val="accent1"/>
+          </a:fillRef>
+          <a:effectRef idx="0">
+            <a:schemeClr val="accent1"/>
+          </a:effectRef>
+          <a:fontRef idx="minor">
+            <a:schemeClr val="lt1"/>
+          </a:fontRef>
+        </p:style>
+        <p:txBody>
+          <a:bodyPr rtlCol="0" anchor="ctr"/>
+          <a:lstStyle/>
+          <a:p>
+            <a:pPr algn="ctr"/>
+            <a:endParaRPr lang="en-IN"/>
+          </a:p>
+        </p:txBody>
+      </p:sp>
+      <p:sp>
+        <p:nvSpPr>
+          <p:cNvPr id="10" name="Rectangle 9">
+            <a:extLst>
+              <a:ext uri="{FF2B5EF4-FFF2-40B4-BE49-F238E27FC236}">
+                <a16:creationId xmlns:a16="http://schemas.microsoft.com/office/drawing/2014/main" id="{34159C6A-0C1E-531C-897A-896111B586E7}"/>
+              </a:ext>
+            </a:extLst>
+          </p:cNvPr>
+          <p:cNvSpPr/>
+          <p:nvPr/>
+        </p:nvSpPr>
+        <p:spPr>
+          <a:xfrm>
+            <a:off x="2347608" y="3965643"/>
+            <a:ext cx="5140120" cy="742948"/>
+          </a:xfrm>
+          <a:prstGeom prst="rect">
+            <a:avLst/>
+          </a:prstGeom>
+          <a:noFill/>
+          <a:ln w="25400">
+            <a:solidFill>
+              <a:srgbClr val="FF0000"/>
+            </a:solidFill>
+          </a:ln>
+        </p:spPr>
+        <p:style>
+          <a:lnRef idx="2">
+            <a:schemeClr val="accent1">
+              <a:shade val="50000"/>
+            </a:schemeClr>
+          </a:lnRef>
+          <a:fillRef idx="1">
+            <a:schemeClr val="accent1"/>
+          </a:fillRef>
+          <a:effectRef idx="0">
+            <a:schemeClr val="accent1"/>
+          </a:effectRef>
+          <a:fontRef idx="minor">
+            <a:schemeClr val="lt1"/>
+          </a:fontRef>
+        </p:style>
+        <p:txBody>
+          <a:bodyPr rtlCol="0" anchor="ctr"/>
+          <a:lstStyle/>
+          <a:p>
+            <a:pPr algn="ctr"/>
+            <a:endParaRPr lang="en-IN"/>
+          </a:p>
+        </p:txBody>
+      </p:sp>
+      <p:sp>
+        <p:nvSpPr>
+          <p:cNvPr id="11" name="Rectangle 10">
+            <a:extLst>
+              <a:ext uri="{FF2B5EF4-FFF2-40B4-BE49-F238E27FC236}">
+                <a16:creationId xmlns:a16="http://schemas.microsoft.com/office/drawing/2014/main" id="{C6B9EABA-443A-C157-0996-25F5198F1F9A}"/>
+              </a:ext>
+            </a:extLst>
+          </p:cNvPr>
+          <p:cNvSpPr/>
+          <p:nvPr/>
+        </p:nvSpPr>
+        <p:spPr>
+          <a:xfrm>
+            <a:off x="2425430" y="576442"/>
+            <a:ext cx="2039565" cy="863252"/>
+          </a:xfrm>
+          <a:prstGeom prst="rect">
+            <a:avLst/>
+          </a:prstGeom>
+          <a:noFill/>
+          <a:ln w="25400">
+            <a:solidFill>
+              <a:srgbClr val="FF0000"/>
+            </a:solidFill>
+          </a:ln>
+        </p:spPr>
+        <p:style>
+          <a:lnRef idx="2">
+            <a:schemeClr val="accent1">
+              <a:shade val="50000"/>
+            </a:schemeClr>
+          </a:lnRef>
+          <a:fillRef idx="1">
+            <a:schemeClr val="accent1"/>
+          </a:fillRef>
+          <a:effectRef idx="0">
+            <a:schemeClr val="accent1"/>
+          </a:effectRef>
+          <a:fontRef idx="minor">
+            <a:schemeClr val="lt1"/>
+          </a:fontRef>
+        </p:style>
+        <p:txBody>
+          <a:bodyPr rtlCol="0" anchor="ctr"/>
+          <a:lstStyle/>
+          <a:p>
+            <a:pPr algn="ctr"/>
+            <a:endParaRPr lang="en-IN"/>
+          </a:p>
+        </p:txBody>
+      </p:sp>
     </p:spTree>
     <p:extLst>
       <p:ext uri="{BB962C8B-B14F-4D97-AF65-F5344CB8AC3E}">
         <p14:creationId xmlns:p14="http://schemas.microsoft.com/office/powerpoint/2010/main" val="3671038265"/>
+      </p:ext>
+    </p:extLst>
+  </p:cSld>
+  <p:clrMapOvr>
+    <a:masterClrMapping/>
+  </p:clrMapOvr>
+</p:sld>
+</file>
+
+<file path=ppt/slides/slide2.xml><?xml version="1.0" encoding="utf-8"?>
+<p:sld xmlns:a="http://schemas.openxmlformats.org/drawingml/2006/main" xmlns:r="http://schemas.openxmlformats.org/officeDocument/2006/relationships" xmlns:p="http://schemas.openxmlformats.org/presentationml/2006/main">
+  <p:cSld>
+    <p:spTree>
+      <p:nvGrpSpPr>
+        <p:cNvPr id="1" name=""/>
+        <p:cNvGrpSpPr/>
+        <p:nvPr/>
+      </p:nvGrpSpPr>
+      <p:grpSpPr>
+        <a:xfrm>
+          <a:off x="0" y="0"/>
+          <a:ext cx="0" cy="0"/>
+          <a:chOff x="0" y="0"/>
+          <a:chExt cx="0" cy="0"/>
+        </a:xfrm>
+      </p:grpSpPr>
+    </p:spTree>
+    <p:extLst>
+      <p:ext uri="{BB962C8B-B14F-4D97-AF65-F5344CB8AC3E}">
+        <p14:creationId xmlns:p14="http://schemas.microsoft.com/office/powerpoint/2010/main" val="263801156"/>
+      </p:ext>
+    </p:extLst>
+  </p:cSld>
+  <p:clrMapOvr>
+    <a:masterClrMapping/>
+  </p:clrMapOvr>
+</p:sld>
+</file>
+
+<file path=ppt/slides/slide3.xml><?xml version="1.0" encoding="utf-8"?>
+<p:sld xmlns:a="http://schemas.openxmlformats.org/drawingml/2006/main" xmlns:r="http://schemas.openxmlformats.org/officeDocument/2006/relationships" xmlns:p="http://schemas.openxmlformats.org/presentationml/2006/main">
+  <p:cSld>
+    <p:spTree>
+      <p:nvGrpSpPr>
+        <p:cNvPr id="1" name=""/>
+        <p:cNvGrpSpPr/>
+        <p:nvPr/>
+      </p:nvGrpSpPr>
+      <p:grpSpPr>
+        <a:xfrm>
+          <a:off x="0" y="0"/>
+          <a:ext cx="0" cy="0"/>
+          <a:chOff x="0" y="0"/>
+          <a:chExt cx="0" cy="0"/>
+        </a:xfrm>
+      </p:grpSpPr>
+    </p:spTree>
+    <p:extLst>
+      <p:ext uri="{BB962C8B-B14F-4D97-AF65-F5344CB8AC3E}">
+        <p14:creationId xmlns:p14="http://schemas.microsoft.com/office/powerpoint/2010/main" val="670500403"/>
+      </p:ext>
+    </p:extLst>
+  </p:cSld>
+  <p:clrMapOvr>
+    <a:masterClrMapping/>
+  </p:clrMapOvr>
+</p:sld>
+</file>
+
+<file path=ppt/slides/slide4.xml><?xml version="1.0" encoding="utf-8"?>
+<p:sld xmlns:a="http://schemas.openxmlformats.org/drawingml/2006/main" xmlns:r="http://schemas.openxmlformats.org/officeDocument/2006/relationships" xmlns:p="http://schemas.openxmlformats.org/presentationml/2006/main">
+  <p:cSld>
+    <p:spTree>
+      <p:nvGrpSpPr>
+        <p:cNvPr id="1" name=""/>
+        <p:cNvGrpSpPr/>
+        <p:nvPr/>
+      </p:nvGrpSpPr>
+      <p:grpSpPr>
+        <a:xfrm>
+          <a:off x="0" y="0"/>
+          <a:ext cx="0" cy="0"/>
+          <a:chOff x="0" y="0"/>
+          <a:chExt cx="0" cy="0"/>
+        </a:xfrm>
+      </p:grpSpPr>
+    </p:spTree>
+    <p:extLst>
+      <p:ext uri="{BB962C8B-B14F-4D97-AF65-F5344CB8AC3E}">
+        <p14:creationId xmlns:p14="http://schemas.microsoft.com/office/powerpoint/2010/main" val="3891898976"/>
+      </p:ext>
+    </p:extLst>
+  </p:cSld>
+  <p:clrMapOvr>
+    <a:masterClrMapping/>
+  </p:clrMapOvr>
+</p:sld>
+</file>
+
+<file path=ppt/slides/slide5.xml><?xml version="1.0" encoding="utf-8"?>
+<p:sld xmlns:a="http://schemas.openxmlformats.org/drawingml/2006/main" xmlns:r="http://schemas.openxmlformats.org/officeDocument/2006/relationships" xmlns:p="http://schemas.openxmlformats.org/presentationml/2006/main">
+  <p:cSld>
+    <p:spTree>
+      <p:nvGrpSpPr>
+        <p:cNvPr id="1" name=""/>
+        <p:cNvGrpSpPr/>
+        <p:nvPr/>
+      </p:nvGrpSpPr>
+      <p:grpSpPr>
+        <a:xfrm>
+          <a:off x="0" y="0"/>
+          <a:ext cx="0" cy="0"/>
+          <a:chOff x="0" y="0"/>
+          <a:chExt cx="0" cy="0"/>
+        </a:xfrm>
+      </p:grpSpPr>
+    </p:spTree>
+    <p:extLst>
+      <p:ext uri="{BB962C8B-B14F-4D97-AF65-F5344CB8AC3E}">
+        <p14:creationId xmlns:p14="http://schemas.microsoft.com/office/powerpoint/2010/main" val="1011981092"/>
+      </p:ext>
+    </p:extLst>
+  </p:cSld>
+  <p:clrMapOvr>
+    <a:masterClrMapping/>
+  </p:clrMapOvr>
+</p:sld>
+</file>
+
+<file path=ppt/slides/slide6.xml><?xml version="1.0" encoding="utf-8"?>
+<p:sld xmlns:a="http://schemas.openxmlformats.org/drawingml/2006/main" xmlns:r="http://schemas.openxmlformats.org/officeDocument/2006/relationships" xmlns:p="http://schemas.openxmlformats.org/presentationml/2006/main">
+  <p:cSld>
+    <p:spTree>
+      <p:nvGrpSpPr>
+        <p:cNvPr id="1" name=""/>
+        <p:cNvGrpSpPr/>
+        <p:nvPr/>
+      </p:nvGrpSpPr>
+      <p:grpSpPr>
+        <a:xfrm>
+          <a:off x="0" y="0"/>
+          <a:ext cx="0" cy="0"/>
+          <a:chOff x="0" y="0"/>
+          <a:chExt cx="0" cy="0"/>
+        </a:xfrm>
+      </p:grpSpPr>
+    </p:spTree>
+    <p:extLst>
+      <p:ext uri="{BB962C8B-B14F-4D97-AF65-F5344CB8AC3E}">
+        <p14:creationId xmlns:p14="http://schemas.microsoft.com/office/powerpoint/2010/main" val="2693887960"/>
+      </p:ext>
+    </p:extLst>
+  </p:cSld>
+  <p:clrMapOvr>
+    <a:masterClrMapping/>
+  </p:clrMapOvr>
+</p:sld>
+</file>
+
+<file path=ppt/slides/slide7.xml><?xml version="1.0" encoding="utf-8"?>
+<p:sld xmlns:a="http://schemas.openxmlformats.org/drawingml/2006/main" xmlns:r="http://schemas.openxmlformats.org/officeDocument/2006/relationships" xmlns:p="http://schemas.openxmlformats.org/presentationml/2006/main">
+  <p:cSld>
+    <p:spTree>
+      <p:nvGrpSpPr>
+        <p:cNvPr id="1" name=""/>
+        <p:cNvGrpSpPr/>
+        <p:nvPr/>
+      </p:nvGrpSpPr>
+      <p:grpSpPr>
+        <a:xfrm>
+          <a:off x="0" y="0"/>
+          <a:ext cx="0" cy="0"/>
+          <a:chOff x="0" y="0"/>
+          <a:chExt cx="0" cy="0"/>
+        </a:xfrm>
+      </p:grpSpPr>
+    </p:spTree>
+    <p:extLst>
+      <p:ext uri="{BB962C8B-B14F-4D97-AF65-F5344CB8AC3E}">
+        <p14:creationId xmlns:p14="http://schemas.microsoft.com/office/powerpoint/2010/main" val="298618073"/>
       </p:ext>
     </p:extLst>
   </p:cSld>
